--- a/database_as_service.pptx
+++ b/database_as_service.pptx
@@ -4802,8 +4802,8 @@
         </p:nvSpPr>
         <p:spPr>
           <a:xfrm>
-            <a:off x="2521274" y="3743658"/>
-            <a:ext cx="14274300" cy="861774"/>
+            <a:off x="2511675" y="3767376"/>
+            <a:ext cx="14274300" cy="2585323"/>
           </a:xfrm>
           <a:prstGeom prst="rect">
             <a:avLst/>
@@ -4841,103 +4841,14 @@
                 <a:cs typeface="Darker Grotesque Medium"/>
                 <a:sym typeface="Darker Grotesque Medium"/>
               </a:rPr>
-              <a:t>Go </a:t>
+              <a:t>“Don't worry about failures, worry about the chances you miss when you don’t even try.”</a:t>
             </a:r>
-            <a:r>
-              <a:rPr lang="en-US" sz="8000" i="0" u="none" strike="noStrike" cap="none" dirty="0" err="1">
-                <a:solidFill>
-                  <a:srgbClr val="C2F970"/>
-                </a:solidFill>
-                <a:latin typeface="Darker Grotesque Medium"/>
-                <a:ea typeface="Darker Grotesque Medium"/>
-                <a:cs typeface="Darker Grotesque Medium"/>
-                <a:sym typeface="Darker Grotesque Medium"/>
-              </a:rPr>
-              <a:t>Go</a:t>
-            </a:r>
-            <a:r>
-              <a:rPr lang="en-US" sz="8000" i="0" u="none" strike="noStrike" cap="none" dirty="0">
-                <a:solidFill>
-                  <a:srgbClr val="C2F970"/>
-                </a:solidFill>
-                <a:latin typeface="Darker Grotesque Medium"/>
-                <a:ea typeface="Darker Grotesque Medium"/>
-                <a:cs typeface="Darker Grotesque Medium"/>
-                <a:sym typeface="Darker Grotesque Medium"/>
-              </a:rPr>
-              <a:t> </a:t>
-            </a:r>
-            <a:r>
-              <a:rPr lang="en-US" sz="8000" i="0" u="none" strike="noStrike" cap="none" dirty="0" err="1">
-                <a:solidFill>
-                  <a:srgbClr val="C2F970"/>
-                </a:solidFill>
-                <a:latin typeface="Darker Grotesque Medium"/>
-                <a:ea typeface="Darker Grotesque Medium"/>
-                <a:cs typeface="Darker Grotesque Medium"/>
-                <a:sym typeface="Darker Grotesque Medium"/>
-              </a:rPr>
-              <a:t>Go</a:t>
-            </a:r>
-            <a:endParaRPr dirty="0">
+            <a:endParaRPr lang="en-US" dirty="0">
               <a:latin typeface="Darker Grotesque Medium"/>
               <a:ea typeface="Darker Grotesque Medium"/>
               <a:cs typeface="Darker Grotesque Medium"/>
               <a:sym typeface="Darker Grotesque Medium"/>
             </a:endParaRPr>
-          </a:p>
-        </p:txBody>
-      </p:sp>
-      <p:sp>
-        <p:nvSpPr>
-          <p:cNvPr id="264" name="Google Shape;264;p22"/>
-          <p:cNvSpPr txBox="1"/>
-          <p:nvPr/>
-        </p:nvSpPr>
-        <p:spPr>
-          <a:xfrm>
-            <a:off x="1028700" y="5880180"/>
-            <a:ext cx="17259300" cy="517065"/>
-          </a:xfrm>
-          <a:prstGeom prst="rect">
-            <a:avLst/>
-          </a:prstGeom>
-          <a:noFill/>
-          <a:ln>
-            <a:noFill/>
-          </a:ln>
-        </p:spPr>
-        <p:txBody>
-          <a:bodyPr spcFirstLastPara="1" wrap="square" lIns="0" tIns="0" rIns="0" bIns="0" anchor="t" anchorCtr="0">
-            <a:spAutoFit/>
-          </a:bodyPr>
-          <a:lstStyle/>
-          <a:p>
-            <a:pPr marL="0" marR="0" lvl="0" indent="0" algn="ctr" rtl="0">
-              <a:lnSpc>
-                <a:spcPct val="120000"/>
-              </a:lnSpc>
-              <a:spcBef>
-                <a:spcPts val="0"/>
-              </a:spcBef>
-              <a:spcAft>
-                <a:spcPts val="0"/>
-              </a:spcAft>
-              <a:buNone/>
-            </a:pPr>
-            <a:r>
-              <a:rPr lang="en-US" sz="2800" b="0" i="0" u="none" strike="noStrike" cap="none" dirty="0">
-                <a:solidFill>
-                  <a:srgbClr val="FFFFFF"/>
-                </a:solidFill>
-                <a:latin typeface="Darker Grotesque"/>
-                <a:ea typeface="Darker Grotesque"/>
-                <a:cs typeface="Darker Grotesque"/>
-                <a:sym typeface="Darker Grotesque"/>
-              </a:rPr>
-              <a:t>— Rufa Mae Quinto</a:t>
-            </a:r>
-            <a:endParaRPr dirty="0"/>
           </a:p>
         </p:txBody>
       </p:sp>
